--- a/Pipeline/RAGS Presentation.pptx
+++ b/Pipeline/RAGS Presentation.pptx
@@ -5953,7 +5953,7 @@
           <a:p>
             <a:fld id="{640A5BA1-57A7-4BF5-A7BD-7658970CED48}" type="datetimeFigureOut">
               <a:rPr lang="en-GB" smtClean="0"/>
-              <a:t>05/02/2025</a:t>
+              <a:t>06/02/2025</a:t>
             </a:fld>
             <a:endParaRPr lang="en-GB"/>
           </a:p>
@@ -6270,6 +6270,15 @@
               <a:t>Summarise intro page</a:t>
             </a:r>
           </a:p>
+          <a:p>
+            <a:br>
+              <a:rPr lang="en-GB" dirty="0"/>
+            </a:br>
+            <a:r>
+              <a:rPr lang="en-GB" dirty="0"/>
+              <a:t>Adrian</a:t>
+            </a:r>
+          </a:p>
         </p:txBody>
       </p:sp>
       <p:sp>
@@ -6299,6 +6308,446 @@
     <p:extLst>
       <p:ext uri="{BB962C8B-B14F-4D97-AF65-F5344CB8AC3E}">
         <p14:creationId xmlns:p14="http://schemas.microsoft.com/office/powerpoint/2010/main" val="2819011610"/>
+      </p:ext>
+    </p:extLst>
+  </p:cSld>
+  <p:clrMapOvr>
+    <a:masterClrMapping/>
+  </p:clrMapOvr>
+</p:notes>
+</file>
+
+<file path=ppt/notesSlides/notesSlide10.xml><?xml version="1.0" encoding="utf-8"?>
+<p:notes xmlns:a="http://schemas.openxmlformats.org/drawingml/2006/main" xmlns:r="http://schemas.openxmlformats.org/officeDocument/2006/relationships" xmlns:p="http://schemas.openxmlformats.org/presentationml/2006/main">
+  <p:cSld>
+    <p:spTree>
+      <p:nvGrpSpPr>
+        <p:cNvPr id="1" name=""/>
+        <p:cNvGrpSpPr/>
+        <p:nvPr/>
+      </p:nvGrpSpPr>
+      <p:grpSpPr>
+        <a:xfrm>
+          <a:off x="0" y="0"/>
+          <a:ext cx="0" cy="0"/>
+          <a:chOff x="0" y="0"/>
+          <a:chExt cx="0" cy="0"/>
+        </a:xfrm>
+      </p:grpSpPr>
+      <p:sp>
+        <p:nvSpPr>
+          <p:cNvPr id="2" name="Slide Image Placeholder 1"/>
+          <p:cNvSpPr>
+            <a:spLocks noGrp="1" noRot="1" noChangeAspect="1"/>
+          </p:cNvSpPr>
+          <p:nvPr>
+            <p:ph type="sldImg"/>
+          </p:nvPr>
+        </p:nvSpPr>
+        <p:spPr/>
+      </p:sp>
+      <p:sp>
+        <p:nvSpPr>
+          <p:cNvPr id="3" name="Notes Placeholder 2"/>
+          <p:cNvSpPr>
+            <a:spLocks noGrp="1"/>
+          </p:cNvSpPr>
+          <p:nvPr>
+            <p:ph type="body" idx="1"/>
+          </p:nvPr>
+        </p:nvSpPr>
+        <p:spPr/>
+        <p:txBody>
+          <a:bodyPr/>
+          <a:lstStyle/>
+          <a:p>
+            <a:endParaRPr lang="en-GB" dirty="0"/>
+          </a:p>
+        </p:txBody>
+      </p:sp>
+      <p:sp>
+        <p:nvSpPr>
+          <p:cNvPr id="4" name="Slide Number Placeholder 3"/>
+          <p:cNvSpPr>
+            <a:spLocks noGrp="1"/>
+          </p:cNvSpPr>
+          <p:nvPr>
+            <p:ph type="sldNum" sz="quarter" idx="5"/>
+          </p:nvPr>
+        </p:nvSpPr>
+        <p:spPr/>
+        <p:txBody>
+          <a:bodyPr/>
+          <a:lstStyle/>
+          <a:p>
+            <a:fld id="{6C17852A-0C8B-4CAF-BA5C-806088CEE633}" type="slidenum">
+              <a:rPr lang="en-GB" smtClean="0"/>
+              <a:t>11</a:t>
+            </a:fld>
+            <a:endParaRPr lang="en-GB"/>
+          </a:p>
+        </p:txBody>
+      </p:sp>
+    </p:spTree>
+    <p:extLst>
+      <p:ext uri="{BB962C8B-B14F-4D97-AF65-F5344CB8AC3E}">
+        <p14:creationId xmlns:p14="http://schemas.microsoft.com/office/powerpoint/2010/main" val="3366906780"/>
+      </p:ext>
+    </p:extLst>
+  </p:cSld>
+  <p:clrMapOvr>
+    <a:masterClrMapping/>
+  </p:clrMapOvr>
+</p:notes>
+</file>
+
+<file path=ppt/notesSlides/notesSlide11.xml><?xml version="1.0" encoding="utf-8"?>
+<p:notes xmlns:a="http://schemas.openxmlformats.org/drawingml/2006/main" xmlns:r="http://schemas.openxmlformats.org/officeDocument/2006/relationships" xmlns:p="http://schemas.openxmlformats.org/presentationml/2006/main">
+  <p:cSld>
+    <p:spTree>
+      <p:nvGrpSpPr>
+        <p:cNvPr id="1" name=""/>
+        <p:cNvGrpSpPr/>
+        <p:nvPr/>
+      </p:nvGrpSpPr>
+      <p:grpSpPr>
+        <a:xfrm>
+          <a:off x="0" y="0"/>
+          <a:ext cx="0" cy="0"/>
+          <a:chOff x="0" y="0"/>
+          <a:chExt cx="0" cy="0"/>
+        </a:xfrm>
+      </p:grpSpPr>
+      <p:sp>
+        <p:nvSpPr>
+          <p:cNvPr id="2" name="Slide Image Placeholder 1"/>
+          <p:cNvSpPr>
+            <a:spLocks noGrp="1" noRot="1" noChangeAspect="1"/>
+          </p:cNvSpPr>
+          <p:nvPr>
+            <p:ph type="sldImg"/>
+          </p:nvPr>
+        </p:nvSpPr>
+        <p:spPr/>
+      </p:sp>
+      <p:sp>
+        <p:nvSpPr>
+          <p:cNvPr id="3" name="Notes Placeholder 2"/>
+          <p:cNvSpPr>
+            <a:spLocks noGrp="1"/>
+          </p:cNvSpPr>
+          <p:nvPr>
+            <p:ph type="body" idx="1"/>
+          </p:nvPr>
+        </p:nvSpPr>
+        <p:spPr/>
+        <p:txBody>
+          <a:bodyPr/>
+          <a:lstStyle/>
+          <a:p>
+            <a:endParaRPr lang="en-GB" dirty="0"/>
+          </a:p>
+        </p:txBody>
+      </p:sp>
+      <p:sp>
+        <p:nvSpPr>
+          <p:cNvPr id="4" name="Slide Number Placeholder 3"/>
+          <p:cNvSpPr>
+            <a:spLocks noGrp="1"/>
+          </p:cNvSpPr>
+          <p:nvPr>
+            <p:ph type="sldNum" sz="quarter" idx="5"/>
+          </p:nvPr>
+        </p:nvSpPr>
+        <p:spPr/>
+        <p:txBody>
+          <a:bodyPr/>
+          <a:lstStyle/>
+          <a:p>
+            <a:fld id="{6C17852A-0C8B-4CAF-BA5C-806088CEE633}" type="slidenum">
+              <a:rPr lang="en-GB" smtClean="0"/>
+              <a:t>12</a:t>
+            </a:fld>
+            <a:endParaRPr lang="en-GB"/>
+          </a:p>
+        </p:txBody>
+      </p:sp>
+    </p:spTree>
+    <p:extLst>
+      <p:ext uri="{BB962C8B-B14F-4D97-AF65-F5344CB8AC3E}">
+        <p14:creationId xmlns:p14="http://schemas.microsoft.com/office/powerpoint/2010/main" val="746919438"/>
+      </p:ext>
+    </p:extLst>
+  </p:cSld>
+  <p:clrMapOvr>
+    <a:masterClrMapping/>
+  </p:clrMapOvr>
+</p:notes>
+</file>
+
+<file path=ppt/notesSlides/notesSlide12.xml><?xml version="1.0" encoding="utf-8"?>
+<p:notes xmlns:a="http://schemas.openxmlformats.org/drawingml/2006/main" xmlns:r="http://schemas.openxmlformats.org/officeDocument/2006/relationships" xmlns:p="http://schemas.openxmlformats.org/presentationml/2006/main">
+  <p:cSld>
+    <p:spTree>
+      <p:nvGrpSpPr>
+        <p:cNvPr id="1" name=""/>
+        <p:cNvGrpSpPr/>
+        <p:nvPr/>
+      </p:nvGrpSpPr>
+      <p:grpSpPr>
+        <a:xfrm>
+          <a:off x="0" y="0"/>
+          <a:ext cx="0" cy="0"/>
+          <a:chOff x="0" y="0"/>
+          <a:chExt cx="0" cy="0"/>
+        </a:xfrm>
+      </p:grpSpPr>
+      <p:sp>
+        <p:nvSpPr>
+          <p:cNvPr id="2" name="Slide Image Placeholder 1"/>
+          <p:cNvSpPr>
+            <a:spLocks noGrp="1" noRot="1" noChangeAspect="1"/>
+          </p:cNvSpPr>
+          <p:nvPr>
+            <p:ph type="sldImg"/>
+          </p:nvPr>
+        </p:nvSpPr>
+        <p:spPr/>
+      </p:sp>
+      <p:sp>
+        <p:nvSpPr>
+          <p:cNvPr id="3" name="Notes Placeholder 2"/>
+          <p:cNvSpPr>
+            <a:spLocks noGrp="1"/>
+          </p:cNvSpPr>
+          <p:nvPr>
+            <p:ph type="body" idx="1"/>
+          </p:nvPr>
+        </p:nvSpPr>
+        <p:spPr/>
+        <p:txBody>
+          <a:bodyPr/>
+          <a:lstStyle/>
+          <a:p>
+            <a:r>
+              <a:rPr lang="en-GB" dirty="0"/>
+              <a:t>Why used Eval, BLEU, and Relevance Score</a:t>
+            </a:r>
+          </a:p>
+          <a:p>
+            <a:endParaRPr lang="en-GB" dirty="0"/>
+          </a:p>
+          <a:p>
+            <a:r>
+              <a:rPr lang="en-GB" dirty="0"/>
+              <a:t>L- long continuous </a:t>
+            </a:r>
+            <a:r>
+              <a:rPr lang="en-GB" dirty="0" err="1"/>
+              <a:t>subsequences</a:t>
+            </a:r>
+            <a:r>
+              <a:rPr lang="en-GB" dirty="0"/>
+              <a:t> common ordered</a:t>
+            </a:r>
+          </a:p>
+        </p:txBody>
+      </p:sp>
+      <p:sp>
+        <p:nvSpPr>
+          <p:cNvPr id="4" name="Slide Number Placeholder 3"/>
+          <p:cNvSpPr>
+            <a:spLocks noGrp="1"/>
+          </p:cNvSpPr>
+          <p:nvPr>
+            <p:ph type="sldNum" sz="quarter" idx="5"/>
+          </p:nvPr>
+        </p:nvSpPr>
+        <p:spPr/>
+        <p:txBody>
+          <a:bodyPr/>
+          <a:lstStyle/>
+          <a:p>
+            <a:fld id="{6C17852A-0C8B-4CAF-BA5C-806088CEE633}" type="slidenum">
+              <a:rPr lang="en-GB" smtClean="0"/>
+              <a:t>13</a:t>
+            </a:fld>
+            <a:endParaRPr lang="en-GB"/>
+          </a:p>
+        </p:txBody>
+      </p:sp>
+    </p:spTree>
+    <p:extLst>
+      <p:ext uri="{BB962C8B-B14F-4D97-AF65-F5344CB8AC3E}">
+        <p14:creationId xmlns:p14="http://schemas.microsoft.com/office/powerpoint/2010/main" val="1149551656"/>
+      </p:ext>
+    </p:extLst>
+  </p:cSld>
+  <p:clrMapOvr>
+    <a:masterClrMapping/>
+  </p:clrMapOvr>
+</p:notes>
+</file>
+
+<file path=ppt/notesSlides/notesSlide13.xml><?xml version="1.0" encoding="utf-8"?>
+<p:notes xmlns:a="http://schemas.openxmlformats.org/drawingml/2006/main" xmlns:r="http://schemas.openxmlformats.org/officeDocument/2006/relationships" xmlns:p="http://schemas.openxmlformats.org/presentationml/2006/main">
+  <p:cSld>
+    <p:spTree>
+      <p:nvGrpSpPr>
+        <p:cNvPr id="1" name=""/>
+        <p:cNvGrpSpPr/>
+        <p:nvPr/>
+      </p:nvGrpSpPr>
+      <p:grpSpPr>
+        <a:xfrm>
+          <a:off x="0" y="0"/>
+          <a:ext cx="0" cy="0"/>
+          <a:chOff x="0" y="0"/>
+          <a:chExt cx="0" cy="0"/>
+        </a:xfrm>
+      </p:grpSpPr>
+      <p:sp>
+        <p:nvSpPr>
+          <p:cNvPr id="2" name="Slide Image Placeholder 1"/>
+          <p:cNvSpPr>
+            <a:spLocks noGrp="1" noRot="1" noChangeAspect="1"/>
+          </p:cNvSpPr>
+          <p:nvPr>
+            <p:ph type="sldImg"/>
+          </p:nvPr>
+        </p:nvSpPr>
+        <p:spPr/>
+      </p:sp>
+      <p:sp>
+        <p:nvSpPr>
+          <p:cNvPr id="3" name="Notes Placeholder 2"/>
+          <p:cNvSpPr>
+            <a:spLocks noGrp="1"/>
+          </p:cNvSpPr>
+          <p:nvPr>
+            <p:ph type="body" idx="1"/>
+          </p:nvPr>
+        </p:nvSpPr>
+        <p:spPr/>
+        <p:txBody>
+          <a:bodyPr/>
+          <a:lstStyle/>
+          <a:p>
+            <a:endParaRPr lang="en-GB" dirty="0"/>
+          </a:p>
+        </p:txBody>
+      </p:sp>
+      <p:sp>
+        <p:nvSpPr>
+          <p:cNvPr id="4" name="Slide Number Placeholder 3"/>
+          <p:cNvSpPr>
+            <a:spLocks noGrp="1"/>
+          </p:cNvSpPr>
+          <p:nvPr>
+            <p:ph type="sldNum" sz="quarter" idx="5"/>
+          </p:nvPr>
+        </p:nvSpPr>
+        <p:spPr/>
+        <p:txBody>
+          <a:bodyPr/>
+          <a:lstStyle/>
+          <a:p>
+            <a:fld id="{6C17852A-0C8B-4CAF-BA5C-806088CEE633}" type="slidenum">
+              <a:rPr lang="en-GB" smtClean="0"/>
+              <a:t>14</a:t>
+            </a:fld>
+            <a:endParaRPr lang="en-GB"/>
+          </a:p>
+        </p:txBody>
+      </p:sp>
+    </p:spTree>
+    <p:extLst>
+      <p:ext uri="{BB962C8B-B14F-4D97-AF65-F5344CB8AC3E}">
+        <p14:creationId xmlns:p14="http://schemas.microsoft.com/office/powerpoint/2010/main" val="3571275441"/>
+      </p:ext>
+    </p:extLst>
+  </p:cSld>
+  <p:clrMapOvr>
+    <a:masterClrMapping/>
+  </p:clrMapOvr>
+</p:notes>
+</file>
+
+<file path=ppt/notesSlides/notesSlide14.xml><?xml version="1.0" encoding="utf-8"?>
+<p:notes xmlns:a="http://schemas.openxmlformats.org/drawingml/2006/main" xmlns:r="http://schemas.openxmlformats.org/officeDocument/2006/relationships" xmlns:p="http://schemas.openxmlformats.org/presentationml/2006/main">
+  <p:cSld>
+    <p:spTree>
+      <p:nvGrpSpPr>
+        <p:cNvPr id="1" name=""/>
+        <p:cNvGrpSpPr/>
+        <p:nvPr/>
+      </p:nvGrpSpPr>
+      <p:grpSpPr>
+        <a:xfrm>
+          <a:off x="0" y="0"/>
+          <a:ext cx="0" cy="0"/>
+          <a:chOff x="0" y="0"/>
+          <a:chExt cx="0" cy="0"/>
+        </a:xfrm>
+      </p:grpSpPr>
+      <p:sp>
+        <p:nvSpPr>
+          <p:cNvPr id="2" name="Slide Image Placeholder 1"/>
+          <p:cNvSpPr>
+            <a:spLocks noGrp="1" noRot="1" noChangeAspect="1"/>
+          </p:cNvSpPr>
+          <p:nvPr>
+            <p:ph type="sldImg"/>
+          </p:nvPr>
+        </p:nvSpPr>
+        <p:spPr/>
+      </p:sp>
+      <p:sp>
+        <p:nvSpPr>
+          <p:cNvPr id="3" name="Notes Placeholder 2"/>
+          <p:cNvSpPr>
+            <a:spLocks noGrp="1"/>
+          </p:cNvSpPr>
+          <p:nvPr>
+            <p:ph type="body" idx="1"/>
+          </p:nvPr>
+        </p:nvSpPr>
+        <p:spPr/>
+        <p:txBody>
+          <a:bodyPr/>
+          <a:lstStyle/>
+          <a:p>
+            <a:endParaRPr lang="en-GB"/>
+          </a:p>
+        </p:txBody>
+      </p:sp>
+      <p:sp>
+        <p:nvSpPr>
+          <p:cNvPr id="4" name="Slide Number Placeholder 3"/>
+          <p:cNvSpPr>
+            <a:spLocks noGrp="1"/>
+          </p:cNvSpPr>
+          <p:nvPr>
+            <p:ph type="sldNum" sz="quarter" idx="5"/>
+          </p:nvPr>
+        </p:nvSpPr>
+        <p:spPr/>
+        <p:txBody>
+          <a:bodyPr/>
+          <a:lstStyle/>
+          <a:p>
+            <a:fld id="{6C17852A-0C8B-4CAF-BA5C-806088CEE633}" type="slidenum">
+              <a:rPr lang="en-GB" smtClean="0"/>
+              <a:t>15</a:t>
+            </a:fld>
+            <a:endParaRPr lang="en-GB"/>
+          </a:p>
+        </p:txBody>
+      </p:sp>
+    </p:spTree>
+    <p:extLst>
+      <p:ext uri="{BB962C8B-B14F-4D97-AF65-F5344CB8AC3E}">
+        <p14:creationId xmlns:p14="http://schemas.microsoft.com/office/powerpoint/2010/main" val="441697842"/>
       </p:ext>
     </p:extLst>
   </p:cSld>
@@ -6352,7 +6801,10 @@
           <a:bodyPr/>
           <a:lstStyle/>
           <a:p>
-            <a:endParaRPr lang="en-GB" dirty="0"/>
+            <a:r>
+              <a:rPr lang="en-GB" dirty="0"/>
+              <a:t>Adrian</a:t>
+            </a:r>
           </a:p>
         </p:txBody>
       </p:sp>
@@ -6436,7 +6888,10 @@
           <a:bodyPr/>
           <a:lstStyle/>
           <a:p>
-            <a:endParaRPr lang="en-GB" dirty="0"/>
+            <a:r>
+              <a:rPr lang="en-GB" dirty="0"/>
+              <a:t>Adrian</a:t>
+            </a:r>
           </a:p>
         </p:txBody>
       </p:sp>
@@ -6522,65 +6977,8 @@
           <a:p>
             <a:r>
               <a:rPr lang="en-GB" dirty="0"/>
-              <a:t>Explain retrievers:</a:t>
+              <a:t>Steve focus on numbers</a:t>
             </a:r>
-          </a:p>
-          <a:p>
-            <a:pPr marL="228600" indent="-228600">
-              <a:buAutoNum type="arabicPeriod"/>
-            </a:pPr>
-            <a:r>
-              <a:rPr lang="en-GB" dirty="0"/>
-              <a:t>Sparse vs Dense</a:t>
-            </a:r>
-          </a:p>
-          <a:p>
-            <a:pPr marL="228600" indent="-228600">
-              <a:buAutoNum type="arabicPeriod"/>
-            </a:pPr>
-            <a:r>
-              <a:rPr lang="en-GB" dirty="0"/>
-              <a:t>Top 5 selection</a:t>
-            </a:r>
-          </a:p>
-          <a:p>
-            <a:pPr marL="228600" indent="-228600">
-              <a:buAutoNum type="arabicPeriod"/>
-            </a:pPr>
-            <a:r>
-              <a:rPr lang="en-GB" dirty="0"/>
-              <a:t>Top 3 keyword concatenation strategy</a:t>
-            </a:r>
-          </a:p>
-          <a:p>
-            <a:pPr marL="228600" indent="-228600">
-              <a:buAutoNum type="arabicPeriod"/>
-            </a:pPr>
-            <a:r>
-              <a:rPr lang="en-GB" dirty="0"/>
-              <a:t>Prompting Zephyr 7B</a:t>
-            </a:r>
-          </a:p>
-          <a:p>
-            <a:pPr marL="228600" indent="-228600">
-              <a:buAutoNum type="arabicPeriod"/>
-            </a:pPr>
-            <a:r>
-              <a:rPr lang="en-GB" dirty="0"/>
-              <a:t>Response</a:t>
-            </a:r>
-          </a:p>
-          <a:p>
-            <a:pPr marL="228600" indent="-228600">
-              <a:buAutoNum type="arabicPeriod"/>
-            </a:pPr>
-            <a:endParaRPr lang="en-GB" dirty="0"/>
-          </a:p>
-          <a:p>
-            <a:pPr marL="228600" indent="-228600">
-              <a:buAutoNum type="arabicPeriod"/>
-            </a:pPr>
-            <a:endParaRPr lang="en-GB" dirty="0"/>
           </a:p>
         </p:txBody>
       </p:sp>
@@ -6601,7 +6999,7 @@
           <a:p>
             <a:fld id="{6C17852A-0C8B-4CAF-BA5C-806088CEE633}" type="slidenum">
               <a:rPr lang="en-GB" smtClean="0"/>
-              <a:t>7</a:t>
+              <a:t>5</a:t>
             </a:fld>
             <a:endParaRPr lang="en-GB"/>
           </a:p>
@@ -6610,7 +7008,7 @@
     </p:spTree>
     <p:extLst>
       <p:ext uri="{BB962C8B-B14F-4D97-AF65-F5344CB8AC3E}">
-        <p14:creationId xmlns:p14="http://schemas.microsoft.com/office/powerpoint/2010/main" val="3357969060"/>
+        <p14:creationId xmlns:p14="http://schemas.microsoft.com/office/powerpoint/2010/main" val="4060495592"/>
       </p:ext>
     </p:extLst>
   </p:cSld>
@@ -6664,6 +7062,29 @@
           <a:bodyPr/>
           <a:lstStyle/>
           <a:p>
+            <a:pPr marL="0" marR="0" lvl="0" indent="0" algn="l" defTabSz="914400" rtl="0" eaLnBrk="1" fontAlgn="auto" latinLnBrk="0" hangingPunct="1">
+              <a:lnSpc>
+                <a:spcPct val="100000"/>
+              </a:lnSpc>
+              <a:spcBef>
+                <a:spcPts val="0"/>
+              </a:spcBef>
+              <a:spcAft>
+                <a:spcPts val="0"/>
+              </a:spcAft>
+              <a:buClrTx/>
+              <a:buSzTx/>
+              <a:buFontTx/>
+              <a:buNone/>
+              <a:tabLst/>
+              <a:defRPr/>
+            </a:pPr>
+            <a:r>
+              <a:rPr lang="en-GB" dirty="0"/>
+              <a:t>Steve</a:t>
+            </a:r>
+          </a:p>
+          <a:p>
             <a:endParaRPr lang="en-GB" dirty="0"/>
           </a:p>
         </p:txBody>
@@ -6685,7 +7106,7 @@
           <a:p>
             <a:fld id="{6C17852A-0C8B-4CAF-BA5C-806088CEE633}" type="slidenum">
               <a:rPr lang="en-GB" smtClean="0"/>
-              <a:t>9</a:t>
+              <a:t>6</a:t>
             </a:fld>
             <a:endParaRPr lang="en-GB"/>
           </a:p>
@@ -6694,7 +7115,7 @@
     </p:spTree>
     <p:extLst>
       <p:ext uri="{BB962C8B-B14F-4D97-AF65-F5344CB8AC3E}">
-        <p14:creationId xmlns:p14="http://schemas.microsoft.com/office/powerpoint/2010/main" val="3455958313"/>
+        <p14:creationId xmlns:p14="http://schemas.microsoft.com/office/powerpoint/2010/main" val="1262968185"/>
       </p:ext>
     </p:extLst>
   </p:cSld>
@@ -6750,25 +7171,94 @@
           <a:p>
             <a:r>
               <a:rPr lang="en-GB" dirty="0"/>
-              <a:t>Why used Eval, BLEU, and Relevance Score</a:t>
+              <a:t>This is the overall pipeline… only mention:</a:t>
             </a:r>
           </a:p>
           <a:p>
-            <a:endParaRPr lang="en-GB" dirty="0"/>
-          </a:p>
-          <a:p>
+            <a:pPr marL="228600" indent="-228600">
+              <a:buAutoNum type="arabicPeriod"/>
+            </a:pPr>
             <a:r>
               <a:rPr lang="en-GB" dirty="0"/>
-              <a:t>L- long continuous </a:t>
+              <a:t>Sparse vs Dense</a:t>
             </a:r>
-            <a:r>
-              <a:rPr lang="en-GB" dirty="0" err="1"/>
-              <a:t>subsequences</a:t>
-            </a:r>
+          </a:p>
+          <a:p>
+            <a:pPr marL="228600" indent="-228600">
+              <a:buAutoNum type="arabicPeriod"/>
+            </a:pPr>
             <a:r>
               <a:rPr lang="en-GB" dirty="0"/>
-              <a:t> common ordered</a:t>
+              <a:t>Top 5 selection</a:t>
             </a:r>
+          </a:p>
+          <a:p>
+            <a:pPr marL="228600" indent="-228600">
+              <a:buAutoNum type="arabicPeriod"/>
+            </a:pPr>
+            <a:r>
+              <a:rPr lang="en-GB" dirty="0"/>
+              <a:t>Top 3 keyword concatenation strategy</a:t>
+            </a:r>
+          </a:p>
+          <a:p>
+            <a:pPr marL="228600" indent="-228600">
+              <a:buAutoNum type="arabicPeriod"/>
+            </a:pPr>
+            <a:r>
+              <a:rPr lang="en-GB" dirty="0"/>
+              <a:t>Prompting Zephyr 7B</a:t>
+            </a:r>
+          </a:p>
+          <a:p>
+            <a:pPr marL="228600" indent="-228600">
+              <a:buAutoNum type="arabicPeriod"/>
+            </a:pPr>
+            <a:r>
+              <a:rPr lang="en-GB" dirty="0"/>
+              <a:t>Response</a:t>
+            </a:r>
+          </a:p>
+          <a:p>
+            <a:pPr marL="228600" indent="-228600">
+              <a:buAutoNum type="arabicPeriod"/>
+            </a:pPr>
+            <a:endParaRPr lang="en-GB" dirty="0"/>
+          </a:p>
+          <a:p>
+            <a:pPr marL="228600" marR="0" lvl="0" indent="-228600" algn="l" defTabSz="914400" rtl="0" eaLnBrk="1" fontAlgn="auto" latinLnBrk="0" hangingPunct="1">
+              <a:lnSpc>
+                <a:spcPct val="100000"/>
+              </a:lnSpc>
+              <a:spcBef>
+                <a:spcPts val="0"/>
+              </a:spcBef>
+              <a:spcAft>
+                <a:spcPts val="0"/>
+              </a:spcAft>
+              <a:buClrTx/>
+              <a:buSzTx/>
+              <a:buFontTx/>
+              <a:buAutoNum type="arabicPeriod"/>
+              <a:tabLst/>
+              <a:defRPr/>
+            </a:pPr>
+            <a:r>
+              <a:rPr lang="en-GB" dirty="0"/>
+              <a:t>Steve</a:t>
+            </a:r>
+          </a:p>
+          <a:p>
+            <a:pPr marL="228600" indent="-228600">
+              <a:buAutoNum type="arabicPeriod"/>
+            </a:pPr>
+            <a:endParaRPr lang="en-GB" dirty="0"/>
+          </a:p>
+          <a:p>
+            <a:pPr marL="228600" indent="-228600">
+              <a:buAutoNum type="arabicPeriod"/>
+            </a:pPr>
+            <a:endParaRPr lang="en-GB" dirty="0"/>
           </a:p>
         </p:txBody>
       </p:sp>
@@ -6789,7 +7279,7 @@
           <a:p>
             <a:fld id="{6C17852A-0C8B-4CAF-BA5C-806088CEE633}" type="slidenum">
               <a:rPr lang="en-GB" smtClean="0"/>
-              <a:t>13</a:t>
+              <a:t>7</a:t>
             </a:fld>
             <a:endParaRPr lang="en-GB"/>
           </a:p>
@@ -6798,7 +7288,7 @@
     </p:spTree>
     <p:extLst>
       <p:ext uri="{BB962C8B-B14F-4D97-AF65-F5344CB8AC3E}">
-        <p14:creationId xmlns:p14="http://schemas.microsoft.com/office/powerpoint/2010/main" val="1149551656"/>
+        <p14:creationId xmlns:p14="http://schemas.microsoft.com/office/powerpoint/2010/main" val="3357969060"/>
       </p:ext>
     </p:extLst>
   </p:cSld>
@@ -6852,7 +7342,10 @@
           <a:bodyPr/>
           <a:lstStyle/>
           <a:p>
-            <a:endParaRPr lang="en-GB" dirty="0"/>
+            <a:r>
+              <a:rPr lang="en-GB" dirty="0"/>
+              <a:t>Adrian</a:t>
+            </a:r>
           </a:p>
         </p:txBody>
       </p:sp>
@@ -6873,7 +7366,7 @@
           <a:p>
             <a:fld id="{6C17852A-0C8B-4CAF-BA5C-806088CEE633}" type="slidenum">
               <a:rPr lang="en-GB" smtClean="0"/>
-              <a:t>14</a:t>
+              <a:t>8</a:t>
             </a:fld>
             <a:endParaRPr lang="en-GB"/>
           </a:p>
@@ -6882,7 +7375,7 @@
     </p:spTree>
     <p:extLst>
       <p:ext uri="{BB962C8B-B14F-4D97-AF65-F5344CB8AC3E}">
-        <p14:creationId xmlns:p14="http://schemas.microsoft.com/office/powerpoint/2010/main" val="3571275441"/>
+        <p14:creationId xmlns:p14="http://schemas.microsoft.com/office/powerpoint/2010/main" val="2555609313"/>
       </p:ext>
     </p:extLst>
   </p:cSld>
@@ -6936,7 +7429,10 @@
           <a:bodyPr/>
           <a:lstStyle/>
           <a:p>
-            <a:endParaRPr lang="en-GB"/>
+            <a:r>
+              <a:rPr lang="en-GB" dirty="0"/>
+              <a:t>Steve</a:t>
+            </a:r>
           </a:p>
         </p:txBody>
       </p:sp>
@@ -6957,7 +7453,7 @@
           <a:p>
             <a:fld id="{6C17852A-0C8B-4CAF-BA5C-806088CEE633}" type="slidenum">
               <a:rPr lang="en-GB" smtClean="0"/>
-              <a:t>15</a:t>
+              <a:t>9</a:t>
             </a:fld>
             <a:endParaRPr lang="en-GB"/>
           </a:p>
@@ -6966,7 +7462,114 @@
     </p:spTree>
     <p:extLst>
       <p:ext uri="{BB962C8B-B14F-4D97-AF65-F5344CB8AC3E}">
-        <p14:creationId xmlns:p14="http://schemas.microsoft.com/office/powerpoint/2010/main" val="441697842"/>
+        <p14:creationId xmlns:p14="http://schemas.microsoft.com/office/powerpoint/2010/main" val="3455958313"/>
+      </p:ext>
+    </p:extLst>
+  </p:cSld>
+  <p:clrMapOvr>
+    <a:masterClrMapping/>
+  </p:clrMapOvr>
+</p:notes>
+</file>
+
+<file path=ppt/notesSlides/notesSlide9.xml><?xml version="1.0" encoding="utf-8"?>
+<p:notes xmlns:a="http://schemas.openxmlformats.org/drawingml/2006/main" xmlns:r="http://schemas.openxmlformats.org/officeDocument/2006/relationships" xmlns:p="http://schemas.openxmlformats.org/presentationml/2006/main">
+  <p:cSld>
+    <p:spTree>
+      <p:nvGrpSpPr>
+        <p:cNvPr id="1" name=""/>
+        <p:cNvGrpSpPr/>
+        <p:nvPr/>
+      </p:nvGrpSpPr>
+      <p:grpSpPr>
+        <a:xfrm>
+          <a:off x="0" y="0"/>
+          <a:ext cx="0" cy="0"/>
+          <a:chOff x="0" y="0"/>
+          <a:chExt cx="0" cy="0"/>
+        </a:xfrm>
+      </p:grpSpPr>
+      <p:sp>
+        <p:nvSpPr>
+          <p:cNvPr id="2" name="Slide Image Placeholder 1"/>
+          <p:cNvSpPr>
+            <a:spLocks noGrp="1" noRot="1" noChangeAspect="1"/>
+          </p:cNvSpPr>
+          <p:nvPr>
+            <p:ph type="sldImg"/>
+          </p:nvPr>
+        </p:nvSpPr>
+        <p:spPr/>
+      </p:sp>
+      <p:sp>
+        <p:nvSpPr>
+          <p:cNvPr id="3" name="Notes Placeholder 2"/>
+          <p:cNvSpPr>
+            <a:spLocks noGrp="1"/>
+          </p:cNvSpPr>
+          <p:nvPr>
+            <p:ph type="body" idx="1"/>
+          </p:nvPr>
+        </p:nvSpPr>
+        <p:spPr/>
+        <p:txBody>
+          <a:bodyPr/>
+          <a:lstStyle/>
+          <a:p>
+            <a:pPr marL="0" marR="0" lvl="0" indent="0" algn="l" defTabSz="914400" rtl="0" eaLnBrk="1" fontAlgn="auto" latinLnBrk="0" hangingPunct="1">
+              <a:lnSpc>
+                <a:spcPct val="100000"/>
+              </a:lnSpc>
+              <a:spcBef>
+                <a:spcPts val="0"/>
+              </a:spcBef>
+              <a:spcAft>
+                <a:spcPts val="0"/>
+              </a:spcAft>
+              <a:buClrTx/>
+              <a:buSzTx/>
+              <a:buFontTx/>
+              <a:buNone/>
+              <a:tabLst/>
+              <a:defRPr/>
+            </a:pPr>
+            <a:r>
+              <a:rPr lang="en-GB" dirty="0"/>
+              <a:t>Steve</a:t>
+            </a:r>
+          </a:p>
+          <a:p>
+            <a:endParaRPr lang="en-GB" dirty="0"/>
+          </a:p>
+        </p:txBody>
+      </p:sp>
+      <p:sp>
+        <p:nvSpPr>
+          <p:cNvPr id="4" name="Slide Number Placeholder 3"/>
+          <p:cNvSpPr>
+            <a:spLocks noGrp="1"/>
+          </p:cNvSpPr>
+          <p:nvPr>
+            <p:ph type="sldNum" sz="quarter" idx="5"/>
+          </p:nvPr>
+        </p:nvSpPr>
+        <p:spPr/>
+        <p:txBody>
+          <a:bodyPr/>
+          <a:lstStyle/>
+          <a:p>
+            <a:fld id="{6C17852A-0C8B-4CAF-BA5C-806088CEE633}" type="slidenum">
+              <a:rPr lang="en-GB" smtClean="0"/>
+              <a:t>10</a:t>
+            </a:fld>
+            <a:endParaRPr lang="en-GB"/>
+          </a:p>
+        </p:txBody>
+      </p:sp>
+    </p:spTree>
+    <p:extLst>
+      <p:ext uri="{BB962C8B-B14F-4D97-AF65-F5344CB8AC3E}">
+        <p14:creationId xmlns:p14="http://schemas.microsoft.com/office/powerpoint/2010/main" val="1884824964"/>
       </p:ext>
     </p:extLst>
   </p:cSld>
@@ -7125,7 +7728,7 @@
           <a:p>
             <a:fld id="{9C93B5A2-1205-4808-88BB-C85BA7900C59}" type="datetime1">
               <a:rPr lang="en-US" smtClean="0"/>
-              <a:t>2/5/2025</a:t>
+              <a:t>2/6/2025</a:t>
             </a:fld>
             <a:endParaRPr lang="en-GB"/>
           </a:p>
@@ -7325,7 +7928,7 @@
           <a:p>
             <a:fld id="{F52CBC15-2F6C-460F-BE93-41E219730357}" type="datetime1">
               <a:rPr lang="en-US" smtClean="0"/>
-              <a:t>2/5/2025</a:t>
+              <a:t>2/6/2025</a:t>
             </a:fld>
             <a:endParaRPr lang="en-GB"/>
           </a:p>
@@ -7535,7 +8138,7 @@
           <a:p>
             <a:fld id="{4D276B8C-9E4D-4C6D-B70F-CEF6D0DB0DEE}" type="datetime1">
               <a:rPr lang="en-US" smtClean="0"/>
-              <a:t>2/5/2025</a:t>
+              <a:t>2/6/2025</a:t>
             </a:fld>
             <a:endParaRPr lang="en-GB"/>
           </a:p>
@@ -7746,7 +8349,7 @@
           <a:p>
             <a:fld id="{09C6338C-FD71-4196-9A8E-C2E89BB619B9}" type="datetime1">
               <a:rPr lang="en-US" smtClean="0"/>
-              <a:t>2/5/2025</a:t>
+              <a:t>2/6/2025</a:t>
             </a:fld>
             <a:endParaRPr lang="en-GB" dirty="0"/>
           </a:p>
@@ -8045,7 +8648,7 @@
           <a:p>
             <a:fld id="{9B5DC3B7-2B5A-42AE-AF66-76545C7DFD24}" type="datetime1">
               <a:rPr lang="en-US" smtClean="0"/>
-              <a:t>2/5/2025</a:t>
+              <a:t>2/6/2025</a:t>
             </a:fld>
             <a:endParaRPr lang="en-GB"/>
           </a:p>
@@ -8313,7 +8916,7 @@
           <a:p>
             <a:fld id="{69611BC1-3DF2-4DAC-84D7-50F5DA26A585}" type="datetime1">
               <a:rPr lang="en-US" smtClean="0"/>
-              <a:t>2/5/2025</a:t>
+              <a:t>2/6/2025</a:t>
             </a:fld>
             <a:endParaRPr lang="en-GB"/>
           </a:p>
@@ -8728,7 +9331,7 @@
           <a:p>
             <a:fld id="{900C438D-C8E4-4B1F-ABAE-145D089DF47D}" type="datetime1">
               <a:rPr lang="en-US" smtClean="0"/>
-              <a:t>2/5/2025</a:t>
+              <a:t>2/6/2025</a:t>
             </a:fld>
             <a:endParaRPr lang="en-GB"/>
           </a:p>
@@ -8870,7 +9473,7 @@
           <a:p>
             <a:fld id="{C3BFBFCB-D60E-40E0-A20B-7E9191305B89}" type="datetime1">
               <a:rPr lang="en-US" smtClean="0"/>
-              <a:t>2/5/2025</a:t>
+              <a:t>2/6/2025</a:t>
             </a:fld>
             <a:endParaRPr lang="en-GB"/>
           </a:p>
@@ -8983,7 +9586,7 @@
           <a:p>
             <a:fld id="{FB5B945A-A3CE-492C-AC1F-900A7F89C987}" type="datetime1">
               <a:rPr lang="en-US" smtClean="0"/>
-              <a:t>2/5/2025</a:t>
+              <a:t>2/6/2025</a:t>
             </a:fld>
             <a:endParaRPr lang="en-GB"/>
           </a:p>
@@ -9296,7 +9899,7 @@
           <a:p>
             <a:fld id="{00DB68C7-F121-4D0D-B6C2-806432618A26}" type="datetime1">
               <a:rPr lang="en-US" smtClean="0"/>
-              <a:t>2/5/2025</a:t>
+              <a:t>2/6/2025</a:t>
             </a:fld>
             <a:endParaRPr lang="en-GB"/>
           </a:p>
@@ -9585,7 +10188,7 @@
           <a:p>
             <a:fld id="{A18F396F-9E39-44EC-A4DB-66088BB07A5B}" type="datetime1">
               <a:rPr lang="en-US" smtClean="0"/>
-              <a:t>2/5/2025</a:t>
+              <a:t>2/6/2025</a:t>
             </a:fld>
             <a:endParaRPr lang="en-GB"/>
           </a:p>
@@ -9828,7 +10431,7 @@
           <a:p>
             <a:fld id="{3E150A2F-40A4-4C80-B572-7BB4215F7BB0}" type="datetime1">
               <a:rPr lang="en-US" smtClean="0"/>
-              <a:t>2/5/2025</a:t>
+              <a:t>2/6/2025</a:t>
             </a:fld>
             <a:endParaRPr lang="en-GB"/>
           </a:p>
@@ -12904,7 +13507,7 @@
           <a:p>
             <a:fld id="{BB6D540B-C164-445E-9675-5BF069A8479A}" type="datetime1">
               <a:rPr lang="en-US" smtClean="0"/>
-              <a:t>2/5/2025</a:t>
+              <a:t>2/6/2025</a:t>
             </a:fld>
             <a:endParaRPr lang="en-GB"/>
           </a:p>
@@ -12974,7 +13577,7 @@
             <p:nvPr/>
           </p:nvPicPr>
           <p:blipFill>
-            <a:blip r:embed="rId2"/>
+            <a:blip r:embed="rId3"/>
             <a:stretch>
               <a:fillRect/>
             </a:stretch>
@@ -12989,9 +13592,9 @@
             </a:prstGeom>
           </p:spPr>
         </p:pic>
-        <mc:AlternateContent xmlns:mc="http://schemas.openxmlformats.org/markup-compatibility/2006">
-          <mc:Choice xmlns:p14="http://schemas.microsoft.com/office/powerpoint/2010/main" Requires="p14">
-            <p:contentPart p14:bwMode="auto" r:id="rId3">
+        <mc:AlternateContent xmlns:mc="http://schemas.openxmlformats.org/markup-compatibility/2006" xmlns:p14="http://schemas.microsoft.com/office/powerpoint/2010/main">
+          <mc:Choice Requires="p14">
+            <p:contentPart p14:bwMode="auto" r:id="rId4">
               <p14:nvContentPartPr>
                 <p14:cNvPr id="4" name="Ink 3">
                   <a:extLst>
@@ -13009,7 +13612,7 @@
               </p14:xfrm>
             </p:contentPart>
           </mc:Choice>
-          <mc:Fallback>
+          <mc:Fallback xmlns="">
             <p:pic>
               <p:nvPicPr>
                 <p:cNvPr id="4" name="Ink 3">
@@ -13023,7 +13626,7 @@
                 <p:nvPr/>
               </p:nvPicPr>
               <p:blipFill>
-                <a:blip r:embed="rId4"/>
+                <a:blip r:embed="rId5"/>
                 <a:stretch>
                   <a:fillRect/>
                 </a:stretch>
@@ -13215,9 +13818,9 @@
           </a:fontRef>
         </p:style>
       </p:cxnSp>
-      <mc:AlternateContent xmlns:mc="http://schemas.openxmlformats.org/markup-compatibility/2006">
-        <mc:Choice xmlns:p14="http://schemas.microsoft.com/office/powerpoint/2010/main" Requires="p14">
-          <p:contentPart p14:bwMode="auto" r:id="rId5">
+      <mc:AlternateContent xmlns:mc="http://schemas.openxmlformats.org/markup-compatibility/2006" xmlns:p14="http://schemas.microsoft.com/office/powerpoint/2010/main">
+        <mc:Choice Requires="p14">
+          <p:contentPart p14:bwMode="auto" r:id="rId6">
             <p14:nvContentPartPr>
               <p14:cNvPr id="25" name="Ink 24">
                 <a:extLst>
@@ -13235,7 +13838,7 @@
             </p14:xfrm>
           </p:contentPart>
         </mc:Choice>
-        <mc:Fallback>
+        <mc:Fallback xmlns="">
           <p:pic>
             <p:nvPicPr>
               <p:cNvPr id="25" name="Ink 24">
@@ -13249,7 +13852,7 @@
               <p:nvPr/>
             </p:nvPicPr>
             <p:blipFill>
-              <a:blip r:embed="rId6"/>
+              <a:blip r:embed="rId7"/>
               <a:stretch>
                 <a:fillRect/>
               </a:stretch>
@@ -13281,7 +13884,7 @@
           <p:nvPr/>
         </p:nvPicPr>
         <p:blipFill>
-          <a:blip r:embed="rId7"/>
+          <a:blip r:embed="rId8"/>
           <a:stretch>
             <a:fillRect/>
           </a:stretch>
@@ -13488,7 +14091,7 @@
           <p:nvPr/>
         </p:nvPicPr>
         <p:blipFill>
-          <a:blip r:embed="rId8"/>
+          <a:blip r:embed="rId9"/>
           <a:stretch>
             <a:fillRect/>
           </a:stretch>
@@ -13911,7 +14514,7 @@
             </a:pPr>
             <a:fld id="{964BEC56-118D-48F1-918F-247DB4B0A734}" type="datetime1">
               <a:rPr lang="en-US" smtClean="0"/>
-              <a:t>2/5/2025</a:t>
+              <a:t>2/6/2025</a:t>
             </a:fld>
             <a:endParaRPr lang="en-GB" dirty="0"/>
           </a:p>
@@ -13978,7 +14581,7 @@
           <p:nvPr/>
         </p:nvPicPr>
         <p:blipFill>
-          <a:blip r:embed="rId2"/>
+          <a:blip r:embed="rId3"/>
           <a:stretch>
             <a:fillRect/>
           </a:stretch>
@@ -14319,7 +14922,7 @@
             </a:pPr>
             <a:fld id="{964BEC56-118D-48F1-918F-247DB4B0A734}" type="datetime1">
               <a:rPr lang="en-US" smtClean="0"/>
-              <a:t>2/5/2025</a:t>
+              <a:t>2/6/2025</a:t>
             </a:fld>
             <a:endParaRPr lang="en-GB" dirty="0"/>
           </a:p>
@@ -15140,7 +15743,7 @@
           <a:p>
             <a:fld id="{0BF1DB1E-D3A9-4449-A691-4B00D522F601}" type="datetime1">
               <a:rPr lang="en-US" smtClean="0"/>
-              <a:t>2/5/2025</a:t>
+              <a:t>2/6/2025</a:t>
             </a:fld>
             <a:endParaRPr lang="en-GB"/>
           </a:p>
@@ -15951,7 +16554,7 @@
             </a:pPr>
             <a:fld id="{D0C4A390-6306-478C-973A-90F85E6E6D70}" type="datetime1">
               <a:rPr lang="en-US" smtClean="0"/>
-              <a:t>2/5/2025</a:t>
+              <a:t>2/6/2025</a:t>
             </a:fld>
             <a:endParaRPr lang="en-GB"/>
           </a:p>
@@ -17305,7 +17908,7 @@
           <a:p>
             <a:r>
               <a:rPr lang="en-GB" dirty="0"/>
-              <a:t>Results &amp; Findings (1)</a:t>
+              <a:t>Results &amp; Findings (2)</a:t>
             </a:r>
           </a:p>
         </p:txBody>
@@ -17919,7 +18522,7 @@
             </a:pPr>
             <a:fld id="{94E588AF-7C1B-439D-95A0-19A9834D1822}" type="datetime1">
               <a:rPr lang="en-US" smtClean="0"/>
-              <a:t>2/5/2025</a:t>
+              <a:t>2/6/2025</a:t>
             </a:fld>
             <a:endParaRPr lang="en-GB"/>
           </a:p>
@@ -19711,7 +20314,7 @@
           <a:p>
             <a:fld id="{505FB412-BC8B-430B-9A49-0C4B2617715E}" type="datetime1">
               <a:rPr lang="en-US" smtClean="0"/>
-              <a:t>2/5/2025</a:t>
+              <a:t>2/6/2025</a:t>
             </a:fld>
             <a:endParaRPr lang="en-GB" dirty="0"/>
           </a:p>
@@ -20198,7 +20801,7 @@
             </a:pPr>
             <a:fld id="{3ECCC2E0-8052-4B88-9359-8910B49F039D}" type="datetime1">
               <a:rPr lang="en-US" smtClean="0"/>
-              <a:t>2/5/2025</a:t>
+              <a:t>2/6/2025</a:t>
             </a:fld>
             <a:endParaRPr lang="en-GB"/>
           </a:p>
@@ -20761,7 +21364,7 @@
             </a:pPr>
             <a:fld id="{07980A62-4F61-4587-84A3-D43BB77CF3AA}" type="datetime1">
               <a:rPr lang="en-US" smtClean="0"/>
-              <a:t>2/5/2025</a:t>
+              <a:t>2/6/2025</a:t>
             </a:fld>
             <a:endParaRPr lang="en-GB"/>
           </a:p>
@@ -21445,7 +22048,7 @@
           <a:p>
             <a:fld id="{26FCBC9D-0C6A-40DF-978B-66C3C58A4C2C}" type="datetime1">
               <a:rPr lang="en-US" smtClean="0"/>
-              <a:t>2/5/2025</a:t>
+              <a:t>2/6/2025</a:t>
             </a:fld>
             <a:endParaRPr lang="en-GB" dirty="0"/>
           </a:p>
@@ -21790,7 +22393,7 @@
             </a:pPr>
             <a:fld id="{8C614096-AA46-40CB-B3C3-A381180D11A9}" type="datetime1">
               <a:rPr lang="en-US" smtClean="0"/>
-              <a:t>2/5/2025</a:t>
+              <a:t>2/6/2025</a:t>
             </a:fld>
             <a:endParaRPr lang="en-GB"/>
           </a:p>
@@ -24949,7 +25552,7 @@
           <a:p>
             <a:fld id="{FDFBA71F-B523-4AEE-A580-D290A04F426C}" type="datetime1">
               <a:rPr lang="en-US" smtClean="0"/>
-              <a:t>2/5/2025</a:t>
+              <a:t>2/6/2025</a:t>
             </a:fld>
             <a:endParaRPr lang="en-GB"/>
           </a:p>
@@ -26442,7 +27045,7 @@
           <a:p>
             <a:fld id="{BB6D540B-C164-445E-9675-5BF069A8479A}" type="datetime1">
               <a:rPr lang="en-US" smtClean="0"/>
-              <a:t>2/5/2025</a:t>
+              <a:t>2/6/2025</a:t>
             </a:fld>
             <a:endParaRPr lang="en-GB"/>
           </a:p>
@@ -26492,7 +27095,7 @@
           <p:nvPr/>
         </p:nvPicPr>
         <p:blipFill>
-          <a:blip r:embed="rId2">
+          <a:blip r:embed="rId3">
             <a:extLst>
               <a:ext uri="{28A0092B-C50C-407E-A947-70E740481C1C}">
                 <a14:useLocalDpi xmlns:a14="http://schemas.microsoft.com/office/drawing/2010/main" val="0"/>
@@ -26528,7 +27131,7 @@
           <p:nvPr/>
         </p:nvPicPr>
         <p:blipFill>
-          <a:blip r:embed="rId3">
+          <a:blip r:embed="rId4">
             <a:extLst>
               <a:ext uri="{28A0092B-C50C-407E-A947-70E740481C1C}">
                 <a14:useLocalDpi xmlns:a14="http://schemas.microsoft.com/office/drawing/2010/main" val="0"/>
@@ -26563,10 +27166,10 @@
           <p:nvPr/>
         </p:nvPicPr>
         <p:blipFill>
-          <a:blip r:embed="rId4">
+          <a:blip r:embed="rId5">
             <a:extLst>
               <a:ext uri="{96DAC541-7B7A-43D3-8B79-37D633B846F1}">
-                <asvg:svgBlip xmlns:asvg="http://schemas.microsoft.com/office/drawing/2016/SVG/main" r:embed="rId5"/>
+                <asvg:svgBlip xmlns:asvg="http://schemas.microsoft.com/office/drawing/2016/SVG/main" r:embed="rId6"/>
               </a:ext>
             </a:extLst>
           </a:blip>
@@ -26642,10 +27245,10 @@
           <p:nvPr/>
         </p:nvPicPr>
         <p:blipFill>
-          <a:blip r:embed="rId4">
+          <a:blip r:embed="rId5">
             <a:extLst>
               <a:ext uri="{96DAC541-7B7A-43D3-8B79-37D633B846F1}">
-                <asvg:svgBlip xmlns:asvg="http://schemas.microsoft.com/office/drawing/2016/SVG/main" r:embed="rId5"/>
+                <asvg:svgBlip xmlns:asvg="http://schemas.microsoft.com/office/drawing/2016/SVG/main" r:embed="rId6"/>
               </a:ext>
             </a:extLst>
           </a:blip>
@@ -26733,9 +27336,9 @@
           </a:p>
         </p:txBody>
       </p:sp>
-      <mc:AlternateContent xmlns:mc="http://schemas.openxmlformats.org/markup-compatibility/2006">
-        <mc:Choice xmlns:p14="http://schemas.microsoft.com/office/powerpoint/2010/main" Requires="p14">
-          <p:contentPart p14:bwMode="auto" r:id="rId6">
+      <mc:AlternateContent xmlns:mc="http://schemas.openxmlformats.org/markup-compatibility/2006" xmlns:p14="http://schemas.microsoft.com/office/powerpoint/2010/main">
+        <mc:Choice Requires="p14">
+          <p:contentPart p14:bwMode="auto" r:id="rId7">
             <p14:nvContentPartPr>
               <p14:cNvPr id="22" name="Ink 21">
                 <a:extLst>
@@ -26753,7 +27356,7 @@
             </p14:xfrm>
           </p:contentPart>
         </mc:Choice>
-        <mc:Fallback>
+        <mc:Fallback xmlns="">
           <p:pic>
             <p:nvPicPr>
               <p:cNvPr id="22" name="Ink 21">
@@ -26767,7 +27370,7 @@
               <p:nvPr/>
             </p:nvPicPr>
             <p:blipFill>
-              <a:blip r:embed="rId7"/>
+              <a:blip r:embed="rId8"/>
               <a:stretch>
                 <a:fillRect/>
               </a:stretch>
@@ -26784,9 +27387,9 @@
           </p:pic>
         </mc:Fallback>
       </mc:AlternateContent>
-      <mc:AlternateContent xmlns:mc="http://schemas.openxmlformats.org/markup-compatibility/2006">
-        <mc:Choice xmlns:p14="http://schemas.microsoft.com/office/powerpoint/2010/main" Requires="p14">
-          <p:contentPart p14:bwMode="auto" r:id="rId8">
+      <mc:AlternateContent xmlns:mc="http://schemas.openxmlformats.org/markup-compatibility/2006" xmlns:p14="http://schemas.microsoft.com/office/powerpoint/2010/main">
+        <mc:Choice Requires="p14">
+          <p:contentPart p14:bwMode="auto" r:id="rId9">
             <p14:nvContentPartPr>
               <p14:cNvPr id="24" name="Ink 23">
                 <a:extLst>
@@ -26804,7 +27407,7 @@
             </p14:xfrm>
           </p:contentPart>
         </mc:Choice>
-        <mc:Fallback>
+        <mc:Fallback xmlns="">
           <p:pic>
             <p:nvPicPr>
               <p:cNvPr id="24" name="Ink 23">
@@ -26818,7 +27421,7 @@
               <p:nvPr/>
             </p:nvPicPr>
             <p:blipFill>
-              <a:blip r:embed="rId9"/>
+              <a:blip r:embed="rId10"/>
               <a:stretch>
                 <a:fillRect/>
               </a:stretch>
@@ -26835,9 +27438,9 @@
           </p:pic>
         </mc:Fallback>
       </mc:AlternateContent>
-      <mc:AlternateContent xmlns:mc="http://schemas.openxmlformats.org/markup-compatibility/2006">
-        <mc:Choice xmlns:p14="http://schemas.microsoft.com/office/powerpoint/2010/main" Requires="p14">
-          <p:contentPart p14:bwMode="auto" r:id="rId10">
+      <mc:AlternateContent xmlns:mc="http://schemas.openxmlformats.org/markup-compatibility/2006" xmlns:p14="http://schemas.microsoft.com/office/powerpoint/2010/main">
+        <mc:Choice Requires="p14">
+          <p:contentPart p14:bwMode="auto" r:id="rId11">
             <p14:nvContentPartPr>
               <p14:cNvPr id="26" name="Ink 25">
                 <a:extLst>
@@ -26855,7 +27458,7 @@
             </p14:xfrm>
           </p:contentPart>
         </mc:Choice>
-        <mc:Fallback>
+        <mc:Fallback xmlns="">
           <p:pic>
             <p:nvPicPr>
               <p:cNvPr id="26" name="Ink 25">
@@ -26869,7 +27472,7 @@
               <p:nvPr/>
             </p:nvPicPr>
             <p:blipFill>
-              <a:blip r:embed="rId11"/>
+              <a:blip r:embed="rId12"/>
               <a:stretch>
                 <a:fillRect/>
               </a:stretch>
@@ -26888,7 +27491,7 @@
       </mc:AlternateContent>
       <mc:AlternateContent xmlns:mc="http://schemas.openxmlformats.org/markup-compatibility/2006">
         <mc:Choice xmlns:p14="http://schemas.microsoft.com/office/powerpoint/2010/main" Requires="p14">
-          <p:contentPart p14:bwMode="auto" r:id="rId12">
+          <p:contentPart p14:bwMode="auto" r:id="rId13">
             <p14:nvContentPartPr>
               <p14:cNvPr id="28" name="Ink 27">
                 <a:extLst>
@@ -26901,7 +27504,7 @@
               <p14:nvPr/>
             </p14:nvContentPartPr>
             <p14:xfrm>
-              <a:off x="4558545" y="5771055"/>
+              <a:off x="4558545" y="5781688"/>
               <a:ext cx="531000" cy="21600"/>
             </p14:xfrm>
           </p:contentPart>
@@ -26920,14 +27523,14 @@
               <p:nvPr/>
             </p:nvPicPr>
             <p:blipFill>
-              <a:blip r:embed="rId13"/>
+              <a:blip r:embed="rId14"/>
               <a:stretch>
                 <a:fillRect/>
               </a:stretch>
             </p:blipFill>
             <p:spPr>
               <a:xfrm>
-                <a:off x="4504905" y="5663415"/>
+                <a:off x="4504545" y="5673688"/>
                 <a:ext cx="638640" cy="237240"/>
               </a:xfrm>
               <a:prstGeom prst="rect">
@@ -27316,7 +27919,7 @@
           <a:p>
             <a:fld id="{BB6D540B-C164-445E-9675-5BF069A8479A}" type="datetime1">
               <a:rPr lang="en-US" smtClean="0"/>
-              <a:t>2/5/2025</a:t>
+              <a:t>2/6/2025</a:t>
             </a:fld>
             <a:endParaRPr lang="en-GB"/>
           </a:p>
@@ -27366,7 +27969,7 @@
           <p:nvPr/>
         </p:nvPicPr>
         <p:blipFill>
-          <a:blip r:embed="rId2">
+          <a:blip r:embed="rId3">
             <a:extLst>
               <a:ext uri="{28A0092B-C50C-407E-A947-70E740481C1C}">
                 <a14:useLocalDpi xmlns:a14="http://schemas.microsoft.com/office/drawing/2010/main" val="0"/>
@@ -27499,7 +28102,7 @@
             </a:pPr>
             <a:r>
               <a:rPr lang="en-GB" sz="1200" dirty="0">
-                <a:hlinkClick r:id="rId3"/>
+                <a:hlinkClick r:id="rId4"/>
               </a:rPr>
               <a:t>https://haystack.deepset.ai/blog/guide-to-using-zephyr-with-haystack2</a:t>
             </a:r>
@@ -27512,7 +28115,7 @@
             </a:pPr>
             <a:r>
               <a:rPr lang="en-GB" sz="1200" dirty="0">
-                <a:hlinkClick r:id="rId4"/>
+                <a:hlinkClick r:id="rId5"/>
               </a:rPr>
               <a:t>https://huggingface.co/HuggingFaceH4/zephyr-7b-alpha/discussions/3</a:t>
             </a:r>
@@ -27523,9 +28126,9 @@
           </a:p>
         </p:txBody>
       </p:sp>
-      <mc:AlternateContent xmlns:mc="http://schemas.openxmlformats.org/markup-compatibility/2006">
-        <mc:Choice xmlns:p14="http://schemas.microsoft.com/office/powerpoint/2010/main" Requires="p14">
-          <p:contentPart p14:bwMode="auto" r:id="rId5">
+      <mc:AlternateContent xmlns:mc="http://schemas.openxmlformats.org/markup-compatibility/2006" xmlns:p14="http://schemas.microsoft.com/office/powerpoint/2010/main">
+        <mc:Choice Requires="p14">
+          <p:contentPart p14:bwMode="auto" r:id="rId6">
             <p14:nvContentPartPr>
               <p14:cNvPr id="23" name="Ink 22">
                 <a:extLst>
@@ -27543,7 +28146,7 @@
             </p14:xfrm>
           </p:contentPart>
         </mc:Choice>
-        <mc:Fallback>
+        <mc:Fallback xmlns="">
           <p:pic>
             <p:nvPicPr>
               <p:cNvPr id="23" name="Ink 22">
@@ -27557,7 +28160,7 @@
               <p:nvPr/>
             </p:nvPicPr>
             <p:blipFill>
-              <a:blip r:embed="rId6"/>
+              <a:blip r:embed="rId7"/>
               <a:stretch>
                 <a:fillRect/>
               </a:stretch>
@@ -27574,9 +28177,9 @@
           </p:pic>
         </mc:Fallback>
       </mc:AlternateContent>
-      <mc:AlternateContent xmlns:mc="http://schemas.openxmlformats.org/markup-compatibility/2006">
-        <mc:Choice xmlns:p14="http://schemas.microsoft.com/office/powerpoint/2010/main" Requires="p14">
-          <p:contentPart p14:bwMode="auto" r:id="rId7">
+      <mc:AlternateContent xmlns:mc="http://schemas.openxmlformats.org/markup-compatibility/2006" xmlns:p14="http://schemas.microsoft.com/office/powerpoint/2010/main">
+        <mc:Choice Requires="p14">
+          <p:contentPart p14:bwMode="auto" r:id="rId8">
             <p14:nvContentPartPr>
               <p14:cNvPr id="24" name="Ink 23">
                 <a:extLst>
@@ -27594,7 +28197,7 @@
             </p14:xfrm>
           </p:contentPart>
         </mc:Choice>
-        <mc:Fallback>
+        <mc:Fallback xmlns="">
           <p:pic>
             <p:nvPicPr>
               <p:cNvPr id="24" name="Ink 23">
@@ -27608,7 +28211,7 @@
               <p:nvPr/>
             </p:nvPicPr>
             <p:blipFill>
-              <a:blip r:embed="rId8"/>
+              <a:blip r:embed="rId9"/>
               <a:stretch>
                 <a:fillRect/>
               </a:stretch>
@@ -27625,9 +28228,9 @@
           </p:pic>
         </mc:Fallback>
       </mc:AlternateContent>
-      <mc:AlternateContent xmlns:mc="http://schemas.openxmlformats.org/markup-compatibility/2006">
-        <mc:Choice xmlns:p14="http://schemas.microsoft.com/office/powerpoint/2010/main" Requires="p14">
-          <p:contentPart p14:bwMode="auto" r:id="rId9">
+      <mc:AlternateContent xmlns:mc="http://schemas.openxmlformats.org/markup-compatibility/2006" xmlns:p14="http://schemas.microsoft.com/office/powerpoint/2010/main">
+        <mc:Choice Requires="p14">
+          <p:contentPart p14:bwMode="auto" r:id="rId10">
             <p14:nvContentPartPr>
               <p14:cNvPr id="25" name="Ink 24">
                 <a:extLst>
@@ -27645,7 +28248,7 @@
             </p14:xfrm>
           </p:contentPart>
         </mc:Choice>
-        <mc:Fallback>
+        <mc:Fallback xmlns="">
           <p:pic>
             <p:nvPicPr>
               <p:cNvPr id="25" name="Ink 24">
@@ -27659,7 +28262,7 @@
               <p:nvPr/>
             </p:nvPicPr>
             <p:blipFill>
-              <a:blip r:embed="rId10"/>
+              <a:blip r:embed="rId11"/>
               <a:stretch>
                 <a:fillRect/>
               </a:stretch>
@@ -27996,7 +28599,7 @@
           <a:p>
             <a:fld id="{BB6D540B-C164-445E-9675-5BF069A8479A}" type="datetime1">
               <a:rPr lang="en-US" smtClean="0"/>
-              <a:t>2/5/2025</a:t>
+              <a:t>2/6/2025</a:t>
             </a:fld>
             <a:endParaRPr lang="en-GB"/>
           </a:p>
@@ -28488,18 +29091,13 @@
               </a:buClr>
             </a:pPr>
             <a:r>
-              <a:rPr lang="en-GB" sz="2400" b="1" dirty="0">
+              <a:rPr lang="en-GB" sz="2800" b="1" dirty="0">
                 <a:solidFill>
                   <a:srgbClr val="0070C0"/>
                 </a:solidFill>
               </a:rPr>
-              <a:t>DPR</a:t>
+              <a:t>Dense Passage Retrieval</a:t>
             </a:r>
-            <a:endParaRPr lang="en-GB" sz="2800" b="1" dirty="0">
-              <a:solidFill>
-                <a:srgbClr val="0070C0"/>
-              </a:solidFill>
-            </a:endParaRPr>
           </a:p>
           <a:p>
             <a:pPr lvl="1">
@@ -28665,13 +29263,13 @@
           <p:nvPr/>
         </p:nvPicPr>
         <p:blipFill>
-          <a:blip r:embed="rId2">
+          <a:blip r:embed="rId3">
             <a:extLst>
               <a:ext uri="{28A0092B-C50C-407E-A947-70E740481C1C}">
                 <a14:useLocalDpi xmlns:a14="http://schemas.microsoft.com/office/drawing/2010/main" val="0"/>
               </a:ext>
               <a:ext uri="{96DAC541-7B7A-43D3-8B79-37D633B846F1}">
-                <asvg:svgBlip xmlns:asvg="http://schemas.microsoft.com/office/drawing/2016/SVG/main" r:embed="rId3"/>
+                <asvg:svgBlip xmlns:asvg="http://schemas.microsoft.com/office/drawing/2016/SVG/main" r:embed="rId4"/>
               </a:ext>
             </a:extLst>
           </a:blip>
@@ -28983,7 +29581,7 @@
             </a:pPr>
             <a:fld id="{2D4743E3-4777-4AB5-9A4A-BE14873F45BC}" type="datetime1">
               <a:rPr lang="en-US" smtClean="0"/>
-              <a:t>2/5/2025</a:t>
+              <a:t>2/6/2025</a:t>
             </a:fld>
             <a:endParaRPr lang="en-GB"/>
           </a:p>
@@ -30050,7 +30648,7 @@
           <a:p>
             <a:fld id="{BB6D540B-C164-445E-9675-5BF069A8479A}" type="datetime1">
               <a:rPr lang="en-US" smtClean="0"/>
-              <a:t>2/5/2025</a:t>
+              <a:t>2/6/2025</a:t>
             </a:fld>
             <a:endParaRPr lang="en-GB"/>
           </a:p>
@@ -30135,8 +30733,8 @@
             </a:prstGeom>
           </p:spPr>
         </p:pic>
-        <mc:AlternateContent xmlns:mc="http://schemas.openxmlformats.org/markup-compatibility/2006">
-          <mc:Choice xmlns:p14="http://schemas.microsoft.com/office/powerpoint/2010/main" Requires="p14">
+        <mc:AlternateContent xmlns:mc="http://schemas.openxmlformats.org/markup-compatibility/2006" xmlns:p14="http://schemas.microsoft.com/office/powerpoint/2010/main">
+          <mc:Choice Requires="p14">
             <p:contentPart p14:bwMode="auto" r:id="rId4">
               <p14:nvContentPartPr>
                 <p14:cNvPr id="4" name="Ink 3">
@@ -30155,7 +30753,7 @@
               </p14:xfrm>
             </p:contentPart>
           </mc:Choice>
-          <mc:Fallback>
+          <mc:Fallback xmlns="">
             <p:pic>
               <p:nvPicPr>
                 <p:cNvPr id="4" name="Ink 3">
@@ -30305,8 +30903,8 @@
           </a:fontRef>
         </p:style>
       </p:cxnSp>
-      <mc:AlternateContent xmlns:mc="http://schemas.openxmlformats.org/markup-compatibility/2006">
-        <mc:Choice xmlns:p14="http://schemas.microsoft.com/office/powerpoint/2010/main" Requires="p14">
+      <mc:AlternateContent xmlns:mc="http://schemas.openxmlformats.org/markup-compatibility/2006" xmlns:p14="http://schemas.microsoft.com/office/powerpoint/2010/main">
+        <mc:Choice Requires="p14">
           <p:contentPart p14:bwMode="auto" r:id="rId6">
             <p14:nvContentPartPr>
               <p14:cNvPr id="25" name="Ink 24">
@@ -30325,7 +30923,7 @@
             </p14:xfrm>
           </p:contentPart>
         </mc:Choice>
-        <mc:Fallback>
+        <mc:Fallback xmlns="">
           <p:pic>
             <p:nvPicPr>
               <p:cNvPr id="25" name="Ink 24">
